--- a/slides/week8.pptx
+++ b/slides/week8.pptx
@@ -14,8 +14,8 @@
     <p:sldId id="734" r:id="rId5"/>
     <p:sldId id="735" r:id="rId6"/>
     <p:sldId id="759" r:id="rId7"/>
-    <p:sldId id="760" r:id="rId8"/>
-    <p:sldId id="761" r:id="rId9"/>
+    <p:sldId id="761" r:id="rId8"/>
+    <p:sldId id="760" r:id="rId9"/>
   </p:sldIdLst>
   <p:sldSz cx="10152063" cy="7596188"/>
   <p:notesSz cx="7315200" cy="9601200"/>
@@ -8028,6 +8028,431 @@
       </p:grpSpPr>
       <p:sp>
         <p:nvSpPr>
+          <p:cNvPr id="2" name="Title 1">
+            <a:extLst>
+              <a:ext uri="{FF2B5EF4-FFF2-40B4-BE49-F238E27FC236}">
+                <a16:creationId xmlns:a16="http://schemas.microsoft.com/office/drawing/2014/main" id="{DF0CB5CC-EBC8-FC71-7F53-DE4D068D976F}"/>
+              </a:ext>
+            </a:extLst>
+          </p:cNvPr>
+          <p:cNvSpPr>
+            <a:spLocks noGrp="1"/>
+          </p:cNvSpPr>
+          <p:nvPr>
+            <p:ph type="title"/>
+          </p:nvPr>
+        </p:nvSpPr>
+        <p:spPr>
+          <a:xfrm>
+            <a:off x="723354" y="499117"/>
+            <a:ext cx="8629254" cy="1266031"/>
+          </a:xfrm>
+        </p:spPr>
+        <p:txBody>
+          <a:bodyPr/>
+          <a:lstStyle/>
+          <a:p>
+            <a:r>
+              <a:rPr lang="en-US" dirty="0"/>
+              <a:t>Laws Filter</a:t>
+            </a:r>
+          </a:p>
+        </p:txBody>
+      </p:sp>
+      <p:sp>
+        <p:nvSpPr>
+          <p:cNvPr id="3" name="Content Placeholder 2">
+            <a:extLst>
+              <a:ext uri="{FF2B5EF4-FFF2-40B4-BE49-F238E27FC236}">
+                <a16:creationId xmlns:a16="http://schemas.microsoft.com/office/drawing/2014/main" id="{4397CD2C-D258-1B0B-8674-5C3053741643}"/>
+              </a:ext>
+            </a:extLst>
+          </p:cNvPr>
+          <p:cNvSpPr>
+            <a:spLocks noGrp="1"/>
+          </p:cNvSpPr>
+          <p:nvPr>
+            <p:ph sz="half" idx="1"/>
+          </p:nvPr>
+        </p:nvSpPr>
+        <p:spPr>
+          <a:xfrm>
+            <a:off x="723354" y="1519237"/>
+            <a:ext cx="9191426" cy="4557713"/>
+          </a:xfrm>
+        </p:spPr>
+        <p:txBody>
+          <a:bodyPr/>
+          <a:lstStyle/>
+          <a:p>
+            <a:pPr algn="l">
+              <a:buFont typeface="+mj-lt"/>
+              <a:buAutoNum type="arabicPeriod"/>
+            </a:pPr>
+            <a:r>
+              <a:rPr lang="en-SG" sz="2000" dirty="0">
+                <a:solidFill>
+                  <a:schemeClr val="tx1"/>
+                </a:solidFill>
+                <a:latin typeface="Times" panose="02020603050405020304" pitchFamily="18" charset="0"/>
+                <a:ea typeface="+mn-ea"/>
+                <a:cs typeface="+mn-cs"/>
+              </a:rPr>
+              <a:t>L5 (Level): [1, 4, 6, 4, 1]</a:t>
+            </a:r>
+          </a:p>
+          <a:p>
+            <a:pPr marL="742950" lvl="1" indent="-285750" algn="l">
+              <a:buFont typeface="+mj-lt"/>
+              <a:buAutoNum type="arabicPeriod"/>
+            </a:pPr>
+            <a:r>
+              <a:rPr lang="en-SG" sz="2000" dirty="0">
+                <a:solidFill>
+                  <a:schemeClr val="tx1"/>
+                </a:solidFill>
+                <a:latin typeface="Times" panose="02020603050405020304" pitchFamily="18" charset="0"/>
+                <a:ea typeface="+mn-ea"/>
+                <a:cs typeface="+mn-cs"/>
+              </a:rPr>
+              <a:t>Function: Represents average </a:t>
+            </a:r>
+            <a:r>
+              <a:rPr lang="en-SG" sz="2000" dirty="0" err="1">
+                <a:solidFill>
+                  <a:schemeClr val="tx1"/>
+                </a:solidFill>
+                <a:latin typeface="Times" panose="02020603050405020304" pitchFamily="18" charset="0"/>
+                <a:ea typeface="+mn-ea"/>
+                <a:cs typeface="+mn-cs"/>
+              </a:rPr>
+              <a:t>gray</a:t>
+            </a:r>
+            <a:r>
+              <a:rPr lang="en-SG" sz="2000" dirty="0">
+                <a:solidFill>
+                  <a:schemeClr val="tx1"/>
+                </a:solidFill>
+                <a:latin typeface="Times" panose="02020603050405020304" pitchFamily="18" charset="0"/>
+                <a:ea typeface="+mn-ea"/>
+                <a:cs typeface="+mn-cs"/>
+              </a:rPr>
+              <a:t> levels over a region. When used in texture energy measures, it helps </a:t>
+            </a:r>
+            <a:r>
+              <a:rPr lang="en-SG" sz="2000" dirty="0">
+                <a:solidFill>
+                  <a:schemeClr val="tx1"/>
+                </a:solidFill>
+                <a:highlight>
+                  <a:srgbClr val="FFFF00"/>
+                </a:highlight>
+                <a:latin typeface="Times" panose="02020603050405020304" pitchFamily="18" charset="0"/>
+                <a:ea typeface="+mn-ea"/>
+                <a:cs typeface="+mn-cs"/>
+              </a:rPr>
+              <a:t>identify areas of the image that have consistent brightness levels</a:t>
+            </a:r>
+            <a:r>
+              <a:rPr lang="en-SG" sz="2000" dirty="0">
+                <a:solidFill>
+                  <a:schemeClr val="tx1"/>
+                </a:solidFill>
+                <a:latin typeface="Times" panose="02020603050405020304" pitchFamily="18" charset="0"/>
+                <a:ea typeface="+mn-ea"/>
+                <a:cs typeface="+mn-cs"/>
+              </a:rPr>
+              <a:t>. It can be thought of as a kind of low-pass filter, highlighting broader, homogeneous regions.</a:t>
+            </a:r>
+          </a:p>
+          <a:p>
+            <a:pPr algn="l">
+              <a:buFont typeface="+mj-lt"/>
+              <a:buAutoNum type="arabicPeriod"/>
+            </a:pPr>
+            <a:r>
+              <a:rPr lang="en-SG" sz="2000" dirty="0">
+                <a:solidFill>
+                  <a:schemeClr val="tx1"/>
+                </a:solidFill>
+                <a:latin typeface="Times" panose="02020603050405020304" pitchFamily="18" charset="0"/>
+                <a:ea typeface="+mn-ea"/>
+                <a:cs typeface="+mn-cs"/>
+              </a:rPr>
+              <a:t>E5 (Edge): [-1, -2, 0, 2, 1]</a:t>
+            </a:r>
+          </a:p>
+          <a:p>
+            <a:pPr marL="742950" lvl="1" indent="-285750" algn="l">
+              <a:buFont typeface="+mj-lt"/>
+              <a:buAutoNum type="arabicPeriod"/>
+            </a:pPr>
+            <a:r>
+              <a:rPr lang="en-SG" sz="2000" dirty="0">
+                <a:solidFill>
+                  <a:schemeClr val="tx1"/>
+                </a:solidFill>
+                <a:latin typeface="Times" panose="02020603050405020304" pitchFamily="18" charset="0"/>
+                <a:ea typeface="+mn-ea"/>
+                <a:cs typeface="+mn-cs"/>
+              </a:rPr>
+              <a:t>Function: Detects changes in brightness levels, corresponding to edges in an image. </a:t>
+            </a:r>
+            <a:r>
+              <a:rPr lang="en-SG" sz="2000" dirty="0">
+                <a:solidFill>
+                  <a:schemeClr val="tx1"/>
+                </a:solidFill>
+                <a:highlight>
+                  <a:srgbClr val="FFFF00"/>
+                </a:highlight>
+                <a:latin typeface="Times" panose="02020603050405020304" pitchFamily="18" charset="0"/>
+                <a:ea typeface="+mn-ea"/>
+                <a:cs typeface="+mn-cs"/>
+              </a:rPr>
+              <a:t>Edges </a:t>
+            </a:r>
+            <a:r>
+              <a:rPr lang="en-SG" sz="2000" dirty="0">
+                <a:solidFill>
+                  <a:schemeClr val="tx1"/>
+                </a:solidFill>
+                <a:latin typeface="Times" panose="02020603050405020304" pitchFamily="18" charset="0"/>
+                <a:ea typeface="+mn-ea"/>
+                <a:cs typeface="+mn-cs"/>
+              </a:rPr>
+              <a:t>are significant changes in </a:t>
+            </a:r>
+            <a:r>
+              <a:rPr lang="en-SG" sz="2000" dirty="0" err="1">
+                <a:solidFill>
+                  <a:schemeClr val="tx1"/>
+                </a:solidFill>
+                <a:latin typeface="Times" panose="02020603050405020304" pitchFamily="18" charset="0"/>
+                <a:ea typeface="+mn-ea"/>
+                <a:cs typeface="+mn-cs"/>
+              </a:rPr>
+              <a:t>gray</a:t>
+            </a:r>
+            <a:r>
+              <a:rPr lang="en-SG" sz="2000" dirty="0">
+                <a:solidFill>
+                  <a:schemeClr val="tx1"/>
+                </a:solidFill>
+                <a:latin typeface="Times" panose="02020603050405020304" pitchFamily="18" charset="0"/>
+                <a:ea typeface="+mn-ea"/>
+                <a:cs typeface="+mn-cs"/>
+              </a:rPr>
+              <a:t> levels between </a:t>
+            </a:r>
+            <a:r>
+              <a:rPr lang="en-SG" sz="2000" dirty="0" err="1">
+                <a:solidFill>
+                  <a:schemeClr val="tx1"/>
+                </a:solidFill>
+                <a:latin typeface="Times" panose="02020603050405020304" pitchFamily="18" charset="0"/>
+                <a:ea typeface="+mn-ea"/>
+                <a:cs typeface="+mn-cs"/>
+              </a:rPr>
+              <a:t>neighboring</a:t>
+            </a:r>
+            <a:r>
+              <a:rPr lang="en-SG" sz="2000" dirty="0">
+                <a:solidFill>
+                  <a:schemeClr val="tx1"/>
+                </a:solidFill>
+                <a:latin typeface="Times" panose="02020603050405020304" pitchFamily="18" charset="0"/>
+                <a:ea typeface="+mn-ea"/>
+                <a:cs typeface="+mn-cs"/>
+              </a:rPr>
+              <a:t> regions, and this filter helps capture those transitions. Essentially, it works as an edge detector.</a:t>
+            </a:r>
+          </a:p>
+          <a:p>
+            <a:pPr algn="l">
+              <a:buFont typeface="+mj-lt"/>
+              <a:buAutoNum type="arabicPeriod"/>
+            </a:pPr>
+            <a:r>
+              <a:rPr lang="en-SG" sz="2000" dirty="0">
+                <a:solidFill>
+                  <a:schemeClr val="tx1"/>
+                </a:solidFill>
+                <a:latin typeface="Times" panose="02020603050405020304" pitchFamily="18" charset="0"/>
+                <a:ea typeface="+mn-ea"/>
+                <a:cs typeface="+mn-cs"/>
+              </a:rPr>
+              <a:t>S5 (Spot): [-1, 0, 2, 0, -1]</a:t>
+            </a:r>
+          </a:p>
+          <a:p>
+            <a:pPr marL="742950" lvl="1" indent="-285750" algn="l">
+              <a:buFont typeface="+mj-lt"/>
+              <a:buAutoNum type="arabicPeriod"/>
+            </a:pPr>
+            <a:r>
+              <a:rPr lang="en-SG" sz="2000" dirty="0">
+                <a:solidFill>
+                  <a:schemeClr val="tx1"/>
+                </a:solidFill>
+                <a:latin typeface="Times" panose="02020603050405020304" pitchFamily="18" charset="0"/>
+                <a:ea typeface="+mn-ea"/>
+                <a:cs typeface="+mn-cs"/>
+              </a:rPr>
+              <a:t>Function: Captures isolated points or small bright spots on a darker background or vice versa. The </a:t>
+            </a:r>
+            <a:r>
+              <a:rPr lang="en-SG" sz="2000" dirty="0">
+                <a:solidFill>
+                  <a:schemeClr val="tx1"/>
+                </a:solidFill>
+                <a:highlight>
+                  <a:srgbClr val="FFFF00"/>
+                </a:highlight>
+                <a:latin typeface="Times" panose="02020603050405020304" pitchFamily="18" charset="0"/>
+                <a:ea typeface="+mn-ea"/>
+                <a:cs typeface="+mn-cs"/>
+              </a:rPr>
+              <a:t>central positive value emphasizes the spot</a:t>
+            </a:r>
+            <a:r>
+              <a:rPr lang="en-SG" sz="2000" dirty="0">
+                <a:solidFill>
+                  <a:schemeClr val="tx1"/>
+                </a:solidFill>
+                <a:latin typeface="Times" panose="02020603050405020304" pitchFamily="18" charset="0"/>
+                <a:ea typeface="+mn-ea"/>
+                <a:cs typeface="+mn-cs"/>
+              </a:rPr>
+              <a:t>, while the negative values suppress the surrounding regions.</a:t>
+            </a:r>
+          </a:p>
+          <a:p>
+            <a:pPr algn="l">
+              <a:buFont typeface="+mj-lt"/>
+              <a:buAutoNum type="arabicPeriod"/>
+            </a:pPr>
+            <a:r>
+              <a:rPr lang="en-SG" sz="2000" dirty="0">
+                <a:solidFill>
+                  <a:schemeClr val="tx1"/>
+                </a:solidFill>
+                <a:latin typeface="Times" panose="02020603050405020304" pitchFamily="18" charset="0"/>
+                <a:ea typeface="+mn-ea"/>
+                <a:cs typeface="+mn-cs"/>
+              </a:rPr>
+              <a:t>R5 (Ripple): [1, -4, 6, -4, 1]</a:t>
+            </a:r>
+          </a:p>
+          <a:p>
+            <a:pPr marL="742950" lvl="1" indent="-285750" algn="l">
+              <a:buFont typeface="+mj-lt"/>
+              <a:buAutoNum type="arabicPeriod"/>
+            </a:pPr>
+            <a:r>
+              <a:rPr lang="en-SG" sz="2000" dirty="0">
+                <a:solidFill>
+                  <a:schemeClr val="tx1"/>
+                </a:solidFill>
+                <a:latin typeface="Times" panose="02020603050405020304" pitchFamily="18" charset="0"/>
+                <a:ea typeface="+mn-ea"/>
+                <a:cs typeface="+mn-cs"/>
+              </a:rPr>
+              <a:t>Function: Detects periodic structures, </a:t>
+            </a:r>
+            <a:r>
+              <a:rPr lang="en-SG" sz="2000" dirty="0">
+                <a:solidFill>
+                  <a:schemeClr val="tx1"/>
+                </a:solidFill>
+                <a:highlight>
+                  <a:srgbClr val="FFFF00"/>
+                </a:highlight>
+                <a:latin typeface="Times" panose="02020603050405020304" pitchFamily="18" charset="0"/>
+                <a:ea typeface="+mn-ea"/>
+                <a:cs typeface="+mn-cs"/>
+              </a:rPr>
+              <a:t>or fine ripples in the texture</a:t>
+            </a:r>
+            <a:r>
+              <a:rPr lang="en-SG" sz="2000" dirty="0">
+                <a:solidFill>
+                  <a:schemeClr val="tx1"/>
+                </a:solidFill>
+                <a:latin typeface="Times" panose="02020603050405020304" pitchFamily="18" charset="0"/>
+                <a:ea typeface="+mn-ea"/>
+                <a:cs typeface="+mn-cs"/>
+              </a:rPr>
+              <a:t>. This can be useful for textures with regular, fine patterns.</a:t>
+            </a:r>
+          </a:p>
+          <a:p>
+            <a:endParaRPr lang="en-US" sz="1600" dirty="0"/>
+          </a:p>
+        </p:txBody>
+      </p:sp>
+      <p:sp>
+        <p:nvSpPr>
+          <p:cNvPr id="7" name="Slide Number Placeholder 6">
+            <a:extLst>
+              <a:ext uri="{FF2B5EF4-FFF2-40B4-BE49-F238E27FC236}">
+                <a16:creationId xmlns:a16="http://schemas.microsoft.com/office/drawing/2014/main" id="{A97CCB94-8E1D-8323-61EC-FA2AF1D1100B}"/>
+              </a:ext>
+            </a:extLst>
+          </p:cNvPr>
+          <p:cNvSpPr>
+            <a:spLocks noGrp="1"/>
+          </p:cNvSpPr>
+          <p:nvPr>
+            <p:ph type="sldNum" sz="quarter" idx="12"/>
+          </p:nvPr>
+        </p:nvSpPr>
+        <p:spPr/>
+        <p:txBody>
+          <a:bodyPr/>
+          <a:lstStyle/>
+          <a:p>
+            <a:fld id="{C2BBA124-EF05-4F52-9602-25620C3536EC}" type="slidenum">
+              <a:rPr lang="en-US" altLang="en-US" smtClean="0"/>
+              <a:pPr/>
+              <a:t>7</a:t>
+            </a:fld>
+            <a:endParaRPr lang="en-US" altLang="en-US"/>
+          </a:p>
+        </p:txBody>
+      </p:sp>
+    </p:spTree>
+    <p:extLst>
+      <p:ext uri="{BB962C8B-B14F-4D97-AF65-F5344CB8AC3E}">
+        <p14:creationId xmlns:p14="http://schemas.microsoft.com/office/powerpoint/2010/main" val="1324511137"/>
+      </p:ext>
+    </p:extLst>
+  </p:cSld>
+  <p:clrMapOvr>
+    <a:masterClrMapping/>
+  </p:clrMapOvr>
+</p:sld>
+</file>
+
+<file path=ppt/slides/slide8.xml><?xml version="1.0" encoding="utf-8"?>
+<p:sld xmlns:a="http://schemas.openxmlformats.org/drawingml/2006/main" xmlns:r="http://schemas.openxmlformats.org/officeDocument/2006/relationships" xmlns:p="http://schemas.openxmlformats.org/presentationml/2006/main">
+  <p:cSld>
+    <p:spTree>
+      <p:nvGrpSpPr>
+        <p:cNvPr id="1" name=""/>
+        <p:cNvGrpSpPr/>
+        <p:nvPr/>
+      </p:nvGrpSpPr>
+      <p:grpSpPr>
+        <a:xfrm>
+          <a:off x="0" y="0"/>
+          <a:ext cx="0" cy="0"/>
+          <a:chOff x="0" y="0"/>
+          <a:chExt cx="0" cy="0"/>
+        </a:xfrm>
+      </p:grpSpPr>
+      <p:sp>
+        <p:nvSpPr>
           <p:cNvPr id="7" name="Slide Number Placeholder 6">
             <a:extLst>
               <a:ext uri="{FF2B5EF4-FFF2-40B4-BE49-F238E27FC236}">
@@ -8050,7 +8475,7 @@
             <a:fld id="{C2BBA124-EF05-4F52-9602-25620C3536EC}" type="slidenum">
               <a:rPr lang="en-US" altLang="en-US" smtClean="0"/>
               <a:pPr/>
-              <a:t>7</a:t>
+              <a:t>8</a:t>
             </a:fld>
             <a:endParaRPr lang="en-US" altLang="en-US"/>
           </a:p>
@@ -8089,431 +8514,6 @@
     <p:extLst>
       <p:ext uri="{BB962C8B-B14F-4D97-AF65-F5344CB8AC3E}">
         <p14:creationId xmlns:p14="http://schemas.microsoft.com/office/powerpoint/2010/main" val="4155234399"/>
-      </p:ext>
-    </p:extLst>
-  </p:cSld>
-  <p:clrMapOvr>
-    <a:masterClrMapping/>
-  </p:clrMapOvr>
-</p:sld>
-</file>
-
-<file path=ppt/slides/slide8.xml><?xml version="1.0" encoding="utf-8"?>
-<p:sld xmlns:a="http://schemas.openxmlformats.org/drawingml/2006/main" xmlns:r="http://schemas.openxmlformats.org/officeDocument/2006/relationships" xmlns:p="http://schemas.openxmlformats.org/presentationml/2006/main">
-  <p:cSld>
-    <p:spTree>
-      <p:nvGrpSpPr>
-        <p:cNvPr id="1" name=""/>
-        <p:cNvGrpSpPr/>
-        <p:nvPr/>
-      </p:nvGrpSpPr>
-      <p:grpSpPr>
-        <a:xfrm>
-          <a:off x="0" y="0"/>
-          <a:ext cx="0" cy="0"/>
-          <a:chOff x="0" y="0"/>
-          <a:chExt cx="0" cy="0"/>
-        </a:xfrm>
-      </p:grpSpPr>
-      <p:sp>
-        <p:nvSpPr>
-          <p:cNvPr id="2" name="Title 1">
-            <a:extLst>
-              <a:ext uri="{FF2B5EF4-FFF2-40B4-BE49-F238E27FC236}">
-                <a16:creationId xmlns:a16="http://schemas.microsoft.com/office/drawing/2014/main" id="{DF0CB5CC-EBC8-FC71-7F53-DE4D068D976F}"/>
-              </a:ext>
-            </a:extLst>
-          </p:cNvPr>
-          <p:cNvSpPr>
-            <a:spLocks noGrp="1"/>
-          </p:cNvSpPr>
-          <p:nvPr>
-            <p:ph type="title"/>
-          </p:nvPr>
-        </p:nvSpPr>
-        <p:spPr>
-          <a:xfrm>
-            <a:off x="723354" y="499117"/>
-            <a:ext cx="8629254" cy="1266031"/>
-          </a:xfrm>
-        </p:spPr>
-        <p:txBody>
-          <a:bodyPr/>
-          <a:lstStyle/>
-          <a:p>
-            <a:r>
-              <a:rPr lang="en-US" dirty="0"/>
-              <a:t>Laws Filter</a:t>
-            </a:r>
-          </a:p>
-        </p:txBody>
-      </p:sp>
-      <p:sp>
-        <p:nvSpPr>
-          <p:cNvPr id="3" name="Content Placeholder 2">
-            <a:extLst>
-              <a:ext uri="{FF2B5EF4-FFF2-40B4-BE49-F238E27FC236}">
-                <a16:creationId xmlns:a16="http://schemas.microsoft.com/office/drawing/2014/main" id="{4397CD2C-D258-1B0B-8674-5C3053741643}"/>
-              </a:ext>
-            </a:extLst>
-          </p:cNvPr>
-          <p:cNvSpPr>
-            <a:spLocks noGrp="1"/>
-          </p:cNvSpPr>
-          <p:nvPr>
-            <p:ph sz="half" idx="1"/>
-          </p:nvPr>
-        </p:nvSpPr>
-        <p:spPr>
-          <a:xfrm>
-            <a:off x="723354" y="1519237"/>
-            <a:ext cx="9191426" cy="4557713"/>
-          </a:xfrm>
-        </p:spPr>
-        <p:txBody>
-          <a:bodyPr/>
-          <a:lstStyle/>
-          <a:p>
-            <a:pPr algn="l">
-              <a:buFont typeface="+mj-lt"/>
-              <a:buAutoNum type="arabicPeriod"/>
-            </a:pPr>
-            <a:r>
-              <a:rPr lang="en-SG" sz="2000" dirty="0">
-                <a:solidFill>
-                  <a:schemeClr val="tx1"/>
-                </a:solidFill>
-                <a:latin typeface="Times" panose="02020603050405020304" pitchFamily="18" charset="0"/>
-                <a:ea typeface="+mn-ea"/>
-                <a:cs typeface="+mn-cs"/>
-              </a:rPr>
-              <a:t>L5 (Level): [1, 4, 6, 4, 1]</a:t>
-            </a:r>
-          </a:p>
-          <a:p>
-            <a:pPr marL="742950" lvl="1" indent="-285750" algn="l">
-              <a:buFont typeface="+mj-lt"/>
-              <a:buAutoNum type="arabicPeriod"/>
-            </a:pPr>
-            <a:r>
-              <a:rPr lang="en-SG" sz="2000" dirty="0">
-                <a:solidFill>
-                  <a:schemeClr val="tx1"/>
-                </a:solidFill>
-                <a:latin typeface="Times" panose="02020603050405020304" pitchFamily="18" charset="0"/>
-                <a:ea typeface="+mn-ea"/>
-                <a:cs typeface="+mn-cs"/>
-              </a:rPr>
-              <a:t>Function: Represents average </a:t>
-            </a:r>
-            <a:r>
-              <a:rPr lang="en-SG" sz="2000" dirty="0" err="1">
-                <a:solidFill>
-                  <a:schemeClr val="tx1"/>
-                </a:solidFill>
-                <a:latin typeface="Times" panose="02020603050405020304" pitchFamily="18" charset="0"/>
-                <a:ea typeface="+mn-ea"/>
-                <a:cs typeface="+mn-cs"/>
-              </a:rPr>
-              <a:t>gray</a:t>
-            </a:r>
-            <a:r>
-              <a:rPr lang="en-SG" sz="2000" dirty="0">
-                <a:solidFill>
-                  <a:schemeClr val="tx1"/>
-                </a:solidFill>
-                <a:latin typeface="Times" panose="02020603050405020304" pitchFamily="18" charset="0"/>
-                <a:ea typeface="+mn-ea"/>
-                <a:cs typeface="+mn-cs"/>
-              </a:rPr>
-              <a:t> levels over a region. When used in texture energy measures, it helps </a:t>
-            </a:r>
-            <a:r>
-              <a:rPr lang="en-SG" sz="2000" dirty="0">
-                <a:solidFill>
-                  <a:schemeClr val="tx1"/>
-                </a:solidFill>
-                <a:highlight>
-                  <a:srgbClr val="FFFF00"/>
-                </a:highlight>
-                <a:latin typeface="Times" panose="02020603050405020304" pitchFamily="18" charset="0"/>
-                <a:ea typeface="+mn-ea"/>
-                <a:cs typeface="+mn-cs"/>
-              </a:rPr>
-              <a:t>identify areas of the image that have consistent brightness levels</a:t>
-            </a:r>
-            <a:r>
-              <a:rPr lang="en-SG" sz="2000" dirty="0">
-                <a:solidFill>
-                  <a:schemeClr val="tx1"/>
-                </a:solidFill>
-                <a:latin typeface="Times" panose="02020603050405020304" pitchFamily="18" charset="0"/>
-                <a:ea typeface="+mn-ea"/>
-                <a:cs typeface="+mn-cs"/>
-              </a:rPr>
-              <a:t>. It can be thought of as a kind of low-pass filter, highlighting broader, homogeneous regions.</a:t>
-            </a:r>
-          </a:p>
-          <a:p>
-            <a:pPr algn="l">
-              <a:buFont typeface="+mj-lt"/>
-              <a:buAutoNum type="arabicPeriod"/>
-            </a:pPr>
-            <a:r>
-              <a:rPr lang="en-SG" sz="2000" dirty="0">
-                <a:solidFill>
-                  <a:schemeClr val="tx1"/>
-                </a:solidFill>
-                <a:latin typeface="Times" panose="02020603050405020304" pitchFamily="18" charset="0"/>
-                <a:ea typeface="+mn-ea"/>
-                <a:cs typeface="+mn-cs"/>
-              </a:rPr>
-              <a:t>E5 (Edge): [-1, -2, 0, 2, 1]</a:t>
-            </a:r>
-          </a:p>
-          <a:p>
-            <a:pPr marL="742950" lvl="1" indent="-285750" algn="l">
-              <a:buFont typeface="+mj-lt"/>
-              <a:buAutoNum type="arabicPeriod"/>
-            </a:pPr>
-            <a:r>
-              <a:rPr lang="en-SG" sz="2000" dirty="0">
-                <a:solidFill>
-                  <a:schemeClr val="tx1"/>
-                </a:solidFill>
-                <a:latin typeface="Times" panose="02020603050405020304" pitchFamily="18" charset="0"/>
-                <a:ea typeface="+mn-ea"/>
-                <a:cs typeface="+mn-cs"/>
-              </a:rPr>
-              <a:t>Function: Detects changes in brightness levels, corresponding to edges in an image. </a:t>
-            </a:r>
-            <a:r>
-              <a:rPr lang="en-SG" sz="2000" dirty="0">
-                <a:solidFill>
-                  <a:schemeClr val="tx1"/>
-                </a:solidFill>
-                <a:highlight>
-                  <a:srgbClr val="FFFF00"/>
-                </a:highlight>
-                <a:latin typeface="Times" panose="02020603050405020304" pitchFamily="18" charset="0"/>
-                <a:ea typeface="+mn-ea"/>
-                <a:cs typeface="+mn-cs"/>
-              </a:rPr>
-              <a:t>Edges </a:t>
-            </a:r>
-            <a:r>
-              <a:rPr lang="en-SG" sz="2000" dirty="0">
-                <a:solidFill>
-                  <a:schemeClr val="tx1"/>
-                </a:solidFill>
-                <a:latin typeface="Times" panose="02020603050405020304" pitchFamily="18" charset="0"/>
-                <a:ea typeface="+mn-ea"/>
-                <a:cs typeface="+mn-cs"/>
-              </a:rPr>
-              <a:t>are significant changes in </a:t>
-            </a:r>
-            <a:r>
-              <a:rPr lang="en-SG" sz="2000" dirty="0" err="1">
-                <a:solidFill>
-                  <a:schemeClr val="tx1"/>
-                </a:solidFill>
-                <a:latin typeface="Times" panose="02020603050405020304" pitchFamily="18" charset="0"/>
-                <a:ea typeface="+mn-ea"/>
-                <a:cs typeface="+mn-cs"/>
-              </a:rPr>
-              <a:t>gray</a:t>
-            </a:r>
-            <a:r>
-              <a:rPr lang="en-SG" sz="2000" dirty="0">
-                <a:solidFill>
-                  <a:schemeClr val="tx1"/>
-                </a:solidFill>
-                <a:latin typeface="Times" panose="02020603050405020304" pitchFamily="18" charset="0"/>
-                <a:ea typeface="+mn-ea"/>
-                <a:cs typeface="+mn-cs"/>
-              </a:rPr>
-              <a:t> levels between </a:t>
-            </a:r>
-            <a:r>
-              <a:rPr lang="en-SG" sz="2000" dirty="0" err="1">
-                <a:solidFill>
-                  <a:schemeClr val="tx1"/>
-                </a:solidFill>
-                <a:latin typeface="Times" panose="02020603050405020304" pitchFamily="18" charset="0"/>
-                <a:ea typeface="+mn-ea"/>
-                <a:cs typeface="+mn-cs"/>
-              </a:rPr>
-              <a:t>neighboring</a:t>
-            </a:r>
-            <a:r>
-              <a:rPr lang="en-SG" sz="2000" dirty="0">
-                <a:solidFill>
-                  <a:schemeClr val="tx1"/>
-                </a:solidFill>
-                <a:latin typeface="Times" panose="02020603050405020304" pitchFamily="18" charset="0"/>
-                <a:ea typeface="+mn-ea"/>
-                <a:cs typeface="+mn-cs"/>
-              </a:rPr>
-              <a:t> regions, and this filter helps capture those transitions. Essentially, it works as an edge detector.</a:t>
-            </a:r>
-          </a:p>
-          <a:p>
-            <a:pPr algn="l">
-              <a:buFont typeface="+mj-lt"/>
-              <a:buAutoNum type="arabicPeriod"/>
-            </a:pPr>
-            <a:r>
-              <a:rPr lang="en-SG" sz="2000" dirty="0">
-                <a:solidFill>
-                  <a:schemeClr val="tx1"/>
-                </a:solidFill>
-                <a:latin typeface="Times" panose="02020603050405020304" pitchFamily="18" charset="0"/>
-                <a:ea typeface="+mn-ea"/>
-                <a:cs typeface="+mn-cs"/>
-              </a:rPr>
-              <a:t>S5 (Spot): [-1, 0, 2, 0, -1]</a:t>
-            </a:r>
-          </a:p>
-          <a:p>
-            <a:pPr marL="742950" lvl="1" indent="-285750" algn="l">
-              <a:buFont typeface="+mj-lt"/>
-              <a:buAutoNum type="arabicPeriod"/>
-            </a:pPr>
-            <a:r>
-              <a:rPr lang="en-SG" sz="2000" dirty="0">
-                <a:solidFill>
-                  <a:schemeClr val="tx1"/>
-                </a:solidFill>
-                <a:latin typeface="Times" panose="02020603050405020304" pitchFamily="18" charset="0"/>
-                <a:ea typeface="+mn-ea"/>
-                <a:cs typeface="+mn-cs"/>
-              </a:rPr>
-              <a:t>Function: Captures isolated points or small bright spots on a darker background or vice versa. The </a:t>
-            </a:r>
-            <a:r>
-              <a:rPr lang="en-SG" sz="2000" dirty="0">
-                <a:solidFill>
-                  <a:schemeClr val="tx1"/>
-                </a:solidFill>
-                <a:highlight>
-                  <a:srgbClr val="FFFF00"/>
-                </a:highlight>
-                <a:latin typeface="Times" panose="02020603050405020304" pitchFamily="18" charset="0"/>
-                <a:ea typeface="+mn-ea"/>
-                <a:cs typeface="+mn-cs"/>
-              </a:rPr>
-              <a:t>central positive value emphasizes the spot</a:t>
-            </a:r>
-            <a:r>
-              <a:rPr lang="en-SG" sz="2000" dirty="0">
-                <a:solidFill>
-                  <a:schemeClr val="tx1"/>
-                </a:solidFill>
-                <a:latin typeface="Times" panose="02020603050405020304" pitchFamily="18" charset="0"/>
-                <a:ea typeface="+mn-ea"/>
-                <a:cs typeface="+mn-cs"/>
-              </a:rPr>
-              <a:t>, while the negative values suppress the surrounding regions.</a:t>
-            </a:r>
-          </a:p>
-          <a:p>
-            <a:pPr algn="l">
-              <a:buFont typeface="+mj-lt"/>
-              <a:buAutoNum type="arabicPeriod"/>
-            </a:pPr>
-            <a:r>
-              <a:rPr lang="en-SG" sz="2000" dirty="0">
-                <a:solidFill>
-                  <a:schemeClr val="tx1"/>
-                </a:solidFill>
-                <a:latin typeface="Times" panose="02020603050405020304" pitchFamily="18" charset="0"/>
-                <a:ea typeface="+mn-ea"/>
-                <a:cs typeface="+mn-cs"/>
-              </a:rPr>
-              <a:t>R5 (Ripple): [1, -4, 6, -4, 1]</a:t>
-            </a:r>
-          </a:p>
-          <a:p>
-            <a:pPr marL="742950" lvl="1" indent="-285750" algn="l">
-              <a:buFont typeface="+mj-lt"/>
-              <a:buAutoNum type="arabicPeriod"/>
-            </a:pPr>
-            <a:r>
-              <a:rPr lang="en-SG" sz="2000" dirty="0">
-                <a:solidFill>
-                  <a:schemeClr val="tx1"/>
-                </a:solidFill>
-                <a:latin typeface="Times" panose="02020603050405020304" pitchFamily="18" charset="0"/>
-                <a:ea typeface="+mn-ea"/>
-                <a:cs typeface="+mn-cs"/>
-              </a:rPr>
-              <a:t>Function: Detects periodic structures, </a:t>
-            </a:r>
-            <a:r>
-              <a:rPr lang="en-SG" sz="2000" dirty="0">
-                <a:solidFill>
-                  <a:schemeClr val="tx1"/>
-                </a:solidFill>
-                <a:highlight>
-                  <a:srgbClr val="FFFF00"/>
-                </a:highlight>
-                <a:latin typeface="Times" panose="02020603050405020304" pitchFamily="18" charset="0"/>
-                <a:ea typeface="+mn-ea"/>
-                <a:cs typeface="+mn-cs"/>
-              </a:rPr>
-              <a:t>or fine ripples in the texture</a:t>
-            </a:r>
-            <a:r>
-              <a:rPr lang="en-SG" sz="2000" dirty="0">
-                <a:solidFill>
-                  <a:schemeClr val="tx1"/>
-                </a:solidFill>
-                <a:latin typeface="Times" panose="02020603050405020304" pitchFamily="18" charset="0"/>
-                <a:ea typeface="+mn-ea"/>
-                <a:cs typeface="+mn-cs"/>
-              </a:rPr>
-              <a:t>. This can be useful for textures with regular, fine patterns.</a:t>
-            </a:r>
-          </a:p>
-          <a:p>
-            <a:endParaRPr lang="en-US" sz="1600" dirty="0"/>
-          </a:p>
-        </p:txBody>
-      </p:sp>
-      <p:sp>
-        <p:nvSpPr>
-          <p:cNvPr id="7" name="Slide Number Placeholder 6">
-            <a:extLst>
-              <a:ext uri="{FF2B5EF4-FFF2-40B4-BE49-F238E27FC236}">
-                <a16:creationId xmlns:a16="http://schemas.microsoft.com/office/drawing/2014/main" id="{A97CCB94-8E1D-8323-61EC-FA2AF1D1100B}"/>
-              </a:ext>
-            </a:extLst>
-          </p:cNvPr>
-          <p:cNvSpPr>
-            <a:spLocks noGrp="1"/>
-          </p:cNvSpPr>
-          <p:nvPr>
-            <p:ph type="sldNum" sz="quarter" idx="12"/>
-          </p:nvPr>
-        </p:nvSpPr>
-        <p:spPr/>
-        <p:txBody>
-          <a:bodyPr/>
-          <a:lstStyle/>
-          <a:p>
-            <a:fld id="{C2BBA124-EF05-4F52-9602-25620C3536EC}" type="slidenum">
-              <a:rPr lang="en-US" altLang="en-US" smtClean="0"/>
-              <a:pPr/>
-              <a:t>8</a:t>
-            </a:fld>
-            <a:endParaRPr lang="en-US" altLang="en-US"/>
-          </a:p>
-        </p:txBody>
-      </p:sp>
-    </p:spTree>
-    <p:extLst>
-      <p:ext uri="{BB962C8B-B14F-4D97-AF65-F5344CB8AC3E}">
-        <p14:creationId xmlns:p14="http://schemas.microsoft.com/office/powerpoint/2010/main" val="1324511137"/>
       </p:ext>
     </p:extLst>
   </p:cSld>
